--- a/Prezentáció.pptx
+++ b/Prezentáció.pptx
@@ -263,7 +263,7 @@
           <a:p>
             <a:fld id="{6B100E9C-CEA7-4B8A-87DA-E3C4FA591938}" type="datetimeFigureOut">
               <a:rPr lang="hu-HU" smtClean="0"/>
-              <a:t>2022.11.30</a:t>
+              <a:t>2022.12.01</a:t>
             </a:fld>
             <a:endParaRPr lang="hu-HU"/>
           </a:p>
@@ -461,7 +461,7 @@
           <a:p>
             <a:fld id="{6B100E9C-CEA7-4B8A-87DA-E3C4FA591938}" type="datetimeFigureOut">
               <a:rPr lang="hu-HU" smtClean="0"/>
-              <a:t>2022.11.30</a:t>
+              <a:t>2022.12.01</a:t>
             </a:fld>
             <a:endParaRPr lang="hu-HU"/>
           </a:p>
@@ -669,7 +669,7 @@
           <a:p>
             <a:fld id="{6B100E9C-CEA7-4B8A-87DA-E3C4FA591938}" type="datetimeFigureOut">
               <a:rPr lang="hu-HU" smtClean="0"/>
-              <a:t>2022.11.30</a:t>
+              <a:t>2022.12.01</a:t>
             </a:fld>
             <a:endParaRPr lang="hu-HU"/>
           </a:p>
@@ -867,7 +867,7 @@
           <a:p>
             <a:fld id="{6B100E9C-CEA7-4B8A-87DA-E3C4FA591938}" type="datetimeFigureOut">
               <a:rPr lang="hu-HU" smtClean="0"/>
-              <a:t>2022.11.30</a:t>
+              <a:t>2022.12.01</a:t>
             </a:fld>
             <a:endParaRPr lang="hu-HU"/>
           </a:p>
@@ -1142,7 +1142,7 @@
           <a:p>
             <a:fld id="{6B100E9C-CEA7-4B8A-87DA-E3C4FA591938}" type="datetimeFigureOut">
               <a:rPr lang="hu-HU" smtClean="0"/>
-              <a:t>2022.11.30</a:t>
+              <a:t>2022.12.01</a:t>
             </a:fld>
             <a:endParaRPr lang="hu-HU"/>
           </a:p>
@@ -1407,7 +1407,7 @@
           <a:p>
             <a:fld id="{6B100E9C-CEA7-4B8A-87DA-E3C4FA591938}" type="datetimeFigureOut">
               <a:rPr lang="hu-HU" smtClean="0"/>
-              <a:t>2022.11.30</a:t>
+              <a:t>2022.12.01</a:t>
             </a:fld>
             <a:endParaRPr lang="hu-HU"/>
           </a:p>
@@ -1819,7 +1819,7 @@
           <a:p>
             <a:fld id="{6B100E9C-CEA7-4B8A-87DA-E3C4FA591938}" type="datetimeFigureOut">
               <a:rPr lang="hu-HU" smtClean="0"/>
-              <a:t>2022.11.30</a:t>
+              <a:t>2022.12.01</a:t>
             </a:fld>
             <a:endParaRPr lang="hu-HU"/>
           </a:p>
@@ -1960,7 +1960,7 @@
           <a:p>
             <a:fld id="{6B100E9C-CEA7-4B8A-87DA-E3C4FA591938}" type="datetimeFigureOut">
               <a:rPr lang="hu-HU" smtClean="0"/>
-              <a:t>2022.11.30</a:t>
+              <a:t>2022.12.01</a:t>
             </a:fld>
             <a:endParaRPr lang="hu-HU"/>
           </a:p>
@@ -2073,7 +2073,7 @@
           <a:p>
             <a:fld id="{6B100E9C-CEA7-4B8A-87DA-E3C4FA591938}" type="datetimeFigureOut">
               <a:rPr lang="hu-HU" smtClean="0"/>
-              <a:t>2022.11.30</a:t>
+              <a:t>2022.12.01</a:t>
             </a:fld>
             <a:endParaRPr lang="hu-HU"/>
           </a:p>
@@ -2384,7 +2384,7 @@
           <a:p>
             <a:fld id="{6B100E9C-CEA7-4B8A-87DA-E3C4FA591938}" type="datetimeFigureOut">
               <a:rPr lang="hu-HU" smtClean="0"/>
-              <a:t>2022.11.30</a:t>
+              <a:t>2022.12.01</a:t>
             </a:fld>
             <a:endParaRPr lang="hu-HU"/>
           </a:p>
@@ -2672,7 +2672,7 @@
           <a:p>
             <a:fld id="{6B100E9C-CEA7-4B8A-87DA-E3C4FA591938}" type="datetimeFigureOut">
               <a:rPr lang="hu-HU" smtClean="0"/>
-              <a:t>2022.11.30</a:t>
+              <a:t>2022.12.01</a:t>
             </a:fld>
             <a:endParaRPr lang="hu-HU"/>
           </a:p>
@@ -2913,7 +2913,7 @@
           <a:p>
             <a:fld id="{6B100E9C-CEA7-4B8A-87DA-E3C4FA591938}" type="datetimeFigureOut">
               <a:rPr lang="hu-HU" smtClean="0"/>
-              <a:t>2022.11.30</a:t>
+              <a:t>2022.12.01</a:t>
             </a:fld>
             <a:endParaRPr lang="hu-HU"/>
           </a:p>
@@ -4189,7 +4189,7 @@
         </p:spPr>
         <p:txBody>
           <a:bodyPr>
-            <a:normAutofit fontScale="92500" lnSpcReduction="10000"/>
+            <a:normAutofit fontScale="92500"/>
           </a:bodyPr>
           <a:lstStyle/>
           <a:p>
@@ -4207,8 +4207,13 @@
           <a:p>
             <a:r>
               <a:rPr lang="hu-HU" sz="2400" dirty="0"/>
-              <a:t>3 menüpont – Egy általunk kiválasztott csapattal tudunk egy egész Bajnokok Ligája szezont szimulálni.</a:t>
-            </a:r>
+              <a:t>3 menüpont – Összes csapat gólját ki írja </a:t>
+            </a:r>
+            <a:r>
+              <a:rPr lang="hu-HU" sz="2400"/>
+              <a:t>növekvő sorrendbe</a:t>
+            </a:r>
+            <a:endParaRPr lang="hu-HU" sz="2400" dirty="0"/>
           </a:p>
           <a:p>
             <a:endParaRPr lang="hu-HU" sz="2400" dirty="0"/>
